--- a/slides/Backbone Slides Day 1.pptx
+++ b/slides/Backbone Slides Day 1.pptx
@@ -4620,7 +4620,7 @@
             </a:pPr>
             <a:r>
               <a:rPr lang="en-US" dirty="0" smtClean="0"/>
-              <a:t>Views</a:t>
+              <a:t>Views and Templates</a:t>
             </a:r>
             <a:endParaRPr lang="en-US" dirty="0"/>
           </a:p>
@@ -4640,8 +4640,8 @@
               <a:buChar char="•"/>
             </a:pPr>
             <a:r>
-              <a:rPr lang="en-US" dirty="0" smtClean="0"/>
-              <a:t>Routing</a:t>
+              <a:rPr lang="en-US" dirty="0"/>
+              <a:t>Marionette</a:t>
             </a:r>
             <a:endParaRPr lang="en-US" dirty="0"/>
           </a:p>
@@ -4748,7 +4748,7 @@
             </a:pPr>
             <a:r>
               <a:rPr lang="en-US" dirty="0" smtClean="0"/>
-              <a:t>Marionette</a:t>
+              <a:t>Routing</a:t>
             </a:r>
           </a:p>
           <a:p>
@@ -4757,18 +4757,22 @@
               <a:buChar char="•"/>
             </a:pPr>
             <a:r>
+              <a:rPr lang="en-US" dirty="0"/>
+              <a:t>Survey: compare to React</a:t>
+            </a:r>
+          </a:p>
+          <a:p>
+            <a:pPr marL="457200" indent="-457200" algn="l">
+              <a:buFont typeface="Arial"/>
+              <a:buChar char="•"/>
+            </a:pPr>
+            <a:r>
               <a:rPr lang="en-US" dirty="0" smtClean="0"/>
-              <a:t>Intro to React</a:t>
-            </a:r>
-          </a:p>
-          <a:p>
-            <a:pPr marL="457200" indent="-457200" algn="l">
-              <a:buFont typeface="Arial"/>
-              <a:buChar char="•"/>
-            </a:pPr>
+              <a:t>Review </a:t>
+            </a:r>
             <a:r>
               <a:rPr lang="en-US" dirty="0" smtClean="0"/>
-              <a:t>Review / requests</a:t>
+              <a:t>/ requests</a:t>
             </a:r>
           </a:p>
           <a:p>

--- a/slides/Backbone Slides Day 1.pptx
+++ b/slides/Backbone Slides Day 1.pptx
@@ -301,7 +301,7 @@
           <a:p>
             <a:fld id="{6BFECD78-3C8E-49F2-8FAB-59489D168ABB}" type="datetimeFigureOut">
               <a:rPr lang="en-US" smtClean="0"/>
-              <a:t>9/29/16</a:t>
+              <a:t>10/16/16</a:t>
             </a:fld>
             <a:endParaRPr lang="en-US"/>
           </a:p>
@@ -471,7 +471,7 @@
           <a:p>
             <a:fld id="{6BFECD78-3C8E-49F2-8FAB-59489D168ABB}" type="datetimeFigureOut">
               <a:rPr lang="en-US" smtClean="0"/>
-              <a:t>9/29/16</a:t>
+              <a:t>10/16/16</a:t>
             </a:fld>
             <a:endParaRPr lang="en-US"/>
           </a:p>
@@ -651,7 +651,7 @@
           <a:p>
             <a:fld id="{6BFECD78-3C8E-49F2-8FAB-59489D168ABB}" type="datetimeFigureOut">
               <a:rPr lang="en-US" smtClean="0"/>
-              <a:t>9/29/16</a:t>
+              <a:t>10/16/16</a:t>
             </a:fld>
             <a:endParaRPr lang="en-US"/>
           </a:p>
@@ -821,7 +821,7 @@
           <a:p>
             <a:fld id="{6BFECD78-3C8E-49F2-8FAB-59489D168ABB}" type="datetimeFigureOut">
               <a:rPr lang="en-US" smtClean="0"/>
-              <a:t>9/29/16</a:t>
+              <a:t>10/16/16</a:t>
             </a:fld>
             <a:endParaRPr lang="en-US"/>
           </a:p>
@@ -1067,7 +1067,7 @@
           <a:p>
             <a:fld id="{6BFECD78-3C8E-49F2-8FAB-59489D168ABB}" type="datetimeFigureOut">
               <a:rPr lang="en-US" smtClean="0"/>
-              <a:t>9/29/16</a:t>
+              <a:t>10/16/16</a:t>
             </a:fld>
             <a:endParaRPr lang="en-US"/>
           </a:p>
@@ -1355,7 +1355,7 @@
           <a:p>
             <a:fld id="{6BFECD78-3C8E-49F2-8FAB-59489D168ABB}" type="datetimeFigureOut">
               <a:rPr lang="en-US" smtClean="0"/>
-              <a:t>9/29/16</a:t>
+              <a:t>10/16/16</a:t>
             </a:fld>
             <a:endParaRPr lang="en-US"/>
           </a:p>
@@ -1777,7 +1777,7 @@
           <a:p>
             <a:fld id="{6BFECD78-3C8E-49F2-8FAB-59489D168ABB}" type="datetimeFigureOut">
               <a:rPr lang="en-US" smtClean="0"/>
-              <a:t>9/29/16</a:t>
+              <a:t>10/16/16</a:t>
             </a:fld>
             <a:endParaRPr lang="en-US"/>
           </a:p>
@@ -1895,7 +1895,7 @@
           <a:p>
             <a:fld id="{6BFECD78-3C8E-49F2-8FAB-59489D168ABB}" type="datetimeFigureOut">
               <a:rPr lang="en-US" smtClean="0"/>
-              <a:t>9/29/16</a:t>
+              <a:t>10/16/16</a:t>
             </a:fld>
             <a:endParaRPr lang="en-US"/>
           </a:p>
@@ -1990,7 +1990,7 @@
           <a:p>
             <a:fld id="{6BFECD78-3C8E-49F2-8FAB-59489D168ABB}" type="datetimeFigureOut">
               <a:rPr lang="en-US" smtClean="0"/>
-              <a:t>9/29/16</a:t>
+              <a:t>10/16/16</a:t>
             </a:fld>
             <a:endParaRPr lang="en-US"/>
           </a:p>
@@ -2267,7 +2267,7 @@
           <a:p>
             <a:fld id="{6BFECD78-3C8E-49F2-8FAB-59489D168ABB}" type="datetimeFigureOut">
               <a:rPr lang="en-US" smtClean="0"/>
-              <a:t>9/29/16</a:t>
+              <a:t>10/16/16</a:t>
             </a:fld>
             <a:endParaRPr lang="en-US"/>
           </a:p>
@@ -2524,7 +2524,7 @@
           <a:p>
             <a:fld id="{6BFECD78-3C8E-49F2-8FAB-59489D168ABB}" type="datetimeFigureOut">
               <a:rPr lang="en-US" smtClean="0"/>
-              <a:t>9/29/16</a:t>
+              <a:t>10/16/16</a:t>
             </a:fld>
             <a:endParaRPr lang="en-US"/>
           </a:p>
@@ -2737,7 +2737,7 @@
           <a:p>
             <a:fld id="{6BFECD78-3C8E-49F2-8FAB-59489D168ABB}" type="datetimeFigureOut">
               <a:rPr lang="en-US" smtClean="0"/>
-              <a:t>9/29/16</a:t>
+              <a:t>10/16/16</a:t>
             </a:fld>
             <a:endParaRPr lang="en-US"/>
           </a:p>
@@ -3124,7 +3124,9 @@
         </p:nvSpPr>
         <p:spPr/>
         <p:txBody>
-          <a:bodyPr/>
+          <a:bodyPr>
+            <a:normAutofit fontScale="90000"/>
+          </a:bodyPr>
           <a:lstStyle/>
           <a:p>
             <a:r>
@@ -3141,6 +3143,13 @@
             <a:r>
               <a:rPr lang="en-US" dirty="0" smtClean="0"/>
               <a:t>Macy's</a:t>
+            </a:r>
+            <a:br>
+              <a:rPr lang="en-US" dirty="0" smtClean="0"/>
+            </a:br>
+            <a:r>
+              <a:rPr lang="en-US" dirty="0" smtClean="0"/>
+              <a:t>Day 1</a:t>
             </a:r>
             <a:endParaRPr lang="en-US" dirty="0"/>
           </a:p>
@@ -4640,8 +4649,8 @@
               <a:buChar char="•"/>
             </a:pPr>
             <a:r>
-              <a:rPr lang="en-US" dirty="0"/>
-              <a:t>Marionette</a:t>
+              <a:rPr lang="en-US" dirty="0" smtClean="0"/>
+              <a:t>Backbone routing</a:t>
             </a:r>
             <a:endParaRPr lang="en-US" dirty="0"/>
           </a:p>
@@ -4748,8 +4757,20 @@
             </a:pPr>
             <a:r>
               <a:rPr lang="en-US" dirty="0" smtClean="0"/>
-              <a:t>Routing</a:t>
-            </a:r>
+              <a:t>Marionette intro </a:t>
+            </a:r>
+            <a:endParaRPr lang="en-US" dirty="0"/>
+          </a:p>
+          <a:p>
+            <a:pPr marL="457200" indent="-457200" algn="l">
+              <a:buFont typeface="Arial"/>
+              <a:buChar char="•"/>
+            </a:pPr>
+            <a:r>
+              <a:rPr lang="en-US" dirty="0" smtClean="0"/>
+              <a:t>Marionette routing</a:t>
+            </a:r>
+            <a:endParaRPr lang="en-US" dirty="0" smtClean="0"/>
           </a:p>
           <a:p>
             <a:pPr marL="457200" indent="-457200" algn="l">
@@ -4768,11 +4789,7 @@
             </a:pPr>
             <a:r>
               <a:rPr lang="en-US" dirty="0" smtClean="0"/>
-              <a:t>Review </a:t>
-            </a:r>
-            <a:r>
-              <a:rPr lang="en-US" dirty="0" smtClean="0"/>
-              <a:t>/ requests</a:t>
+              <a:t>Review / requests</a:t>
             </a:r>
           </a:p>
           <a:p>
@@ -5675,7 +5692,27 @@
             </a:pPr>
             <a:r>
               <a:rPr lang="en-US" sz="2000" dirty="0" smtClean="0"/>
-              <a:t>Backbone does not support AMD, so YMMV</a:t>
+              <a:t>Out </a:t>
+            </a:r>
+            <a:r>
+              <a:rPr lang="en-US" sz="2000" dirty="0"/>
+              <a:t>of </a:t>
+            </a:r>
+            <a:r>
+              <a:rPr lang="en-US" sz="2000" dirty="0" smtClean="0"/>
+              <a:t>the box, Backbone </a:t>
+            </a:r>
+            <a:r>
+              <a:rPr lang="en-US" sz="2000" dirty="0" smtClean="0"/>
+              <a:t>does not support </a:t>
+            </a:r>
+            <a:r>
+              <a:rPr lang="en-US" sz="2000" dirty="0" smtClean="0"/>
+              <a:t>AMD, </a:t>
+            </a:r>
+            <a:r>
+              <a:rPr lang="en-US" sz="2000" dirty="0" smtClean="0"/>
+              <a:t>so YMMV</a:t>
             </a:r>
           </a:p>
           <a:p>
